--- a/Project PPT.pptx
+++ b/Project PPT.pptx
@@ -8309,7 +8309,34 @@
           <a:bodyPr/>
           <a:lstStyle/>
           <a:p>
-            <a:endParaRPr lang="en-US"/>
+            <a:r>
+              <a:rPr lang="en-US" dirty="0"/>
+              <a:t>In this paper, we based on semantic structure analysis of execution statements to propose a detection approach using parse tree.</a:t>
+            </a:r>
+          </a:p>
+          <a:p>
+            <a:r>
+              <a:rPr lang="en-US"/>
+              <a:t> </a:t>
+            </a:r>
+            <a:r>
+              <a:rPr lang="en-US" dirty="0"/>
+              <a:t>Based on this approach, we focus on MongoDB to propose a dynamic NoSQL injection attacks detection mechanism in the web environment called </a:t>
+            </a:r>
+            <a:r>
+              <a:rPr lang="en-US"/>
+              <a:t>DND.</a:t>
+            </a:r>
+          </a:p>
+          <a:p>
+            <a:r>
+              <a:rPr lang="en-US"/>
+              <a:t> </a:t>
+            </a:r>
+            <a:r>
+              <a:rPr lang="en-US" dirty="0"/>
+              <a:t>It does not require access to or modifying source codes, rewriting source codes with extra libraries, or complex assisted devices. Finally, the experimental results are shown that DND has high accuracy rates, low false positive rates, and low response time. </a:t>
+            </a:r>
           </a:p>
         </p:txBody>
       </p:sp>

--- a/Project PPT.pptx
+++ b/Project PPT.pptx
@@ -12,6 +12,9 @@
     <p:sldId id="259" r:id="rId6"/>
     <p:sldId id="260" r:id="rId7"/>
     <p:sldId id="262" r:id="rId8"/>
+    <p:sldId id="263" r:id="rId9"/>
+    <p:sldId id="264" r:id="rId10"/>
+    <p:sldId id="265" r:id="rId11"/>
   </p:sldIdLst>
   <p:sldSz cx="12192000" cy="6858000"/>
   <p:notesSz cx="6858000" cy="9144000"/>
@@ -7685,6 +7688,166 @@
 </p:sld>
 </file>
 
+<file path=ppt/slides/slide10.xml><?xml version="1.0" encoding="utf-8"?>
+<p:sld xmlns:a="http://schemas.openxmlformats.org/drawingml/2006/main" xmlns:r="http://schemas.openxmlformats.org/officeDocument/2006/relationships" xmlns:p="http://schemas.openxmlformats.org/presentationml/2006/main">
+  <p:cSld>
+    <p:spTree>
+      <p:nvGrpSpPr>
+        <p:cNvPr id="1" name=""/>
+        <p:cNvGrpSpPr/>
+        <p:nvPr/>
+      </p:nvGrpSpPr>
+      <p:grpSpPr>
+        <a:xfrm>
+          <a:off x="0" y="0"/>
+          <a:ext cx="0" cy="0"/>
+          <a:chOff x="0" y="0"/>
+          <a:chExt cx="0" cy="0"/>
+        </a:xfrm>
+      </p:grpSpPr>
+      <p:sp>
+        <p:nvSpPr>
+          <p:cNvPr id="2" name="Title 1">
+            <a:extLst>
+              <a:ext uri="{FF2B5EF4-FFF2-40B4-BE49-F238E27FC236}">
+                <a16:creationId xmlns:a16="http://schemas.microsoft.com/office/drawing/2014/main" id="{BE90F52B-90D1-4052-951C-3DCECFF3EA1A}"/>
+              </a:ext>
+            </a:extLst>
+          </p:cNvPr>
+          <p:cNvSpPr>
+            <a:spLocks noGrp="1"/>
+          </p:cNvSpPr>
+          <p:nvPr>
+            <p:ph type="title"/>
+          </p:nvPr>
+        </p:nvSpPr>
+        <p:spPr/>
+        <p:txBody>
+          <a:bodyPr/>
+          <a:lstStyle/>
+          <a:p>
+            <a:r>
+              <a:rPr lang="en-US" dirty="0"/>
+              <a:t>REFERENCES</a:t>
+            </a:r>
+          </a:p>
+        </p:txBody>
+      </p:sp>
+      <p:sp>
+        <p:nvSpPr>
+          <p:cNvPr id="3" name="Content Placeholder 2">
+            <a:extLst>
+              <a:ext uri="{FF2B5EF4-FFF2-40B4-BE49-F238E27FC236}">
+                <a16:creationId xmlns:a16="http://schemas.microsoft.com/office/drawing/2014/main" id="{67848B33-5681-4E74-BBEC-9A60F2F7AE02}"/>
+              </a:ext>
+            </a:extLst>
+          </p:cNvPr>
+          <p:cNvSpPr>
+            <a:spLocks noGrp="1"/>
+          </p:cNvSpPr>
+          <p:nvPr>
+            <p:ph idx="1"/>
+          </p:nvPr>
+        </p:nvSpPr>
+        <p:spPr/>
+        <p:txBody>
+          <a:bodyPr/>
+          <a:lstStyle/>
+          <a:p>
+            <a:r>
+              <a:rPr lang="en-US" dirty="0"/>
+              <a:t>R. Cattell, Scalable </a:t>
+            </a:r>
+            <a:r>
+              <a:rPr lang="en-US" dirty="0" err="1"/>
+              <a:t>sql</a:t>
+            </a:r>
+            <a:r>
+              <a:rPr lang="en-US" dirty="0"/>
+              <a:t> and </a:t>
+            </a:r>
+            <a:r>
+              <a:rPr lang="en-US" dirty="0" err="1"/>
+              <a:t>nosql</a:t>
+            </a:r>
+            <a:r>
+              <a:rPr lang="en-US" dirty="0"/>
+              <a:t> data stores, </a:t>
+            </a:r>
+            <a:r>
+              <a:rPr lang="en-US" dirty="0" err="1"/>
+              <a:t>Acm</a:t>
+            </a:r>
+            <a:r>
+              <a:rPr lang="en-US" dirty="0"/>
+              <a:t> </a:t>
+            </a:r>
+            <a:r>
+              <a:rPr lang="en-US" dirty="0" err="1"/>
+              <a:t>Sigmod</a:t>
+            </a:r>
+            <a:r>
+              <a:rPr lang="en-US" dirty="0"/>
+              <a:t> Record, vol. 39, no. 4, pp. 12–27, 2011.</a:t>
+            </a:r>
+          </a:p>
+          <a:p>
+            <a:r>
+              <a:rPr lang="en-US" dirty="0" err="1"/>
+              <a:t>Sahaﬁzadeh</a:t>
+            </a:r>
+            <a:r>
+              <a:rPr lang="en-US" dirty="0"/>
+              <a:t> and M. A. </a:t>
+            </a:r>
+            <a:r>
+              <a:rPr lang="en-US" dirty="0" err="1"/>
+              <a:t>Nematbakhsh</a:t>
+            </a:r>
+            <a:r>
+              <a:rPr lang="en-US" dirty="0"/>
+              <a:t>, A survey on security issues in big data and </a:t>
+            </a:r>
+            <a:r>
+              <a:rPr lang="en-US" dirty="0" err="1"/>
+              <a:t>nosql</a:t>
+            </a:r>
+            <a:r>
+              <a:rPr lang="en-US" dirty="0"/>
+              <a:t>, Advances in Computer Science: an International Journal, vol. 4, no. 4, pp. 68–72, 2015.</a:t>
+            </a:r>
+          </a:p>
+          <a:p>
+            <a:r>
+              <a:rPr lang="en-US" dirty="0">
+                <a:hlinkClick r:id="rId2"/>
+              </a:rPr>
+              <a:t>https://www.tutorialspoint.com/python/python_processing_unstructured_data.html</a:t>
+            </a:r>
+            <a:endParaRPr lang="en-US" dirty="0"/>
+          </a:p>
+          <a:p>
+            <a:r>
+              <a:rPr lang="en-US"/>
+              <a:t>https://www.researchgate.net/publication/289519291</a:t>
+            </a:r>
+            <a:endParaRPr lang="en-US" dirty="0"/>
+          </a:p>
+        </p:txBody>
+      </p:sp>
+    </p:spTree>
+    <p:extLst>
+      <p:ext uri="{BB962C8B-B14F-4D97-AF65-F5344CB8AC3E}">
+        <p14:creationId xmlns:p14="http://schemas.microsoft.com/office/powerpoint/2010/main" val="266851034"/>
+      </p:ext>
+    </p:extLst>
+  </p:cSld>
+  <p:clrMapOvr>
+    <a:masterClrMapping/>
+  </p:clrMapOvr>
+</p:sld>
+</file>
+
 <file path=ppt/slides/slide2.xml><?xml version="1.0" encoding="utf-8"?>
 <p:sld xmlns:a="http://schemas.openxmlformats.org/drawingml/2006/main" xmlns:r="http://schemas.openxmlformats.org/officeDocument/2006/relationships" xmlns:p="http://schemas.openxmlformats.org/presentationml/2006/main">
   <p:cSld>
@@ -8344,6 +8507,122 @@
     <p:extLst>
       <p:ext uri="{BB962C8B-B14F-4D97-AF65-F5344CB8AC3E}">
         <p14:creationId xmlns:p14="http://schemas.microsoft.com/office/powerpoint/2010/main" val="1267583765"/>
+      </p:ext>
+    </p:extLst>
+  </p:cSld>
+  <p:clrMapOvr>
+    <a:masterClrMapping/>
+  </p:clrMapOvr>
+</p:sld>
+</file>
+
+<file path=ppt/slides/slide8.xml><?xml version="1.0" encoding="utf-8"?>
+<p:sld xmlns:a="http://schemas.openxmlformats.org/drawingml/2006/main" xmlns:r="http://schemas.openxmlformats.org/officeDocument/2006/relationships" xmlns:p="http://schemas.openxmlformats.org/presentationml/2006/main">
+  <p:cSld>
+    <p:spTree>
+      <p:nvGrpSpPr>
+        <p:cNvPr id="1" name=""/>
+        <p:cNvGrpSpPr/>
+        <p:nvPr/>
+      </p:nvGrpSpPr>
+      <p:grpSpPr>
+        <a:xfrm>
+          <a:off x="0" y="0"/>
+          <a:ext cx="0" cy="0"/>
+          <a:chOff x="0" y="0"/>
+          <a:chExt cx="0" cy="0"/>
+        </a:xfrm>
+      </p:grpSpPr>
+      <p:pic>
+        <p:nvPicPr>
+          <p:cNvPr id="9" name="Content Placeholder 8">
+            <a:extLst>
+              <a:ext uri="{FF2B5EF4-FFF2-40B4-BE49-F238E27FC236}">
+                <a16:creationId xmlns:a16="http://schemas.microsoft.com/office/drawing/2014/main" id="{C6BBDBD3-FC15-498C-B9EA-3627E2F7A237}"/>
+              </a:ext>
+            </a:extLst>
+          </p:cNvPr>
+          <p:cNvPicPr>
+            <a:picLocks noGrp="1" noChangeAspect="1"/>
+          </p:cNvPicPr>
+          <p:nvPr>
+            <p:ph idx="1"/>
+          </p:nvPr>
+        </p:nvPicPr>
+        <p:blipFill rotWithShape="1">
+          <a:blip r:embed="rId2"/>
+          <a:srcRect l="23821" t="26657" r="23724" b="13716"/>
+          <a:stretch/>
+        </p:blipFill>
+        <p:spPr>
+          <a:xfrm>
+            <a:off x="2509099" y="1527436"/>
+            <a:ext cx="7584618" cy="4847315"/>
+          </a:xfrm>
+        </p:spPr>
+      </p:pic>
+    </p:spTree>
+    <p:extLst>
+      <p:ext uri="{BB962C8B-B14F-4D97-AF65-F5344CB8AC3E}">
+        <p14:creationId xmlns:p14="http://schemas.microsoft.com/office/powerpoint/2010/main" val="3264731426"/>
+      </p:ext>
+    </p:extLst>
+  </p:cSld>
+  <p:clrMapOvr>
+    <a:masterClrMapping/>
+  </p:clrMapOvr>
+</p:sld>
+</file>
+
+<file path=ppt/slides/slide9.xml><?xml version="1.0" encoding="utf-8"?>
+<p:sld xmlns:a="http://schemas.openxmlformats.org/drawingml/2006/main" xmlns:r="http://schemas.openxmlformats.org/officeDocument/2006/relationships" xmlns:p="http://schemas.openxmlformats.org/presentationml/2006/main">
+  <p:cSld>
+    <p:spTree>
+      <p:nvGrpSpPr>
+        <p:cNvPr id="1" name=""/>
+        <p:cNvGrpSpPr/>
+        <p:nvPr/>
+      </p:nvGrpSpPr>
+      <p:grpSpPr>
+        <a:xfrm>
+          <a:off x="0" y="0"/>
+          <a:ext cx="0" cy="0"/>
+          <a:chOff x="0" y="0"/>
+          <a:chExt cx="0" cy="0"/>
+        </a:xfrm>
+      </p:grpSpPr>
+      <p:pic>
+        <p:nvPicPr>
+          <p:cNvPr id="5" name="Content Placeholder 4">
+            <a:extLst>
+              <a:ext uri="{FF2B5EF4-FFF2-40B4-BE49-F238E27FC236}">
+                <a16:creationId xmlns:a16="http://schemas.microsoft.com/office/drawing/2014/main" id="{D2275E63-B79A-4A53-B61A-DCCD932C86D2}"/>
+              </a:ext>
+            </a:extLst>
+          </p:cNvPr>
+          <p:cNvPicPr>
+            <a:picLocks noGrp="1" noChangeAspect="1"/>
+          </p:cNvPicPr>
+          <p:nvPr>
+            <p:ph idx="1"/>
+          </p:nvPr>
+        </p:nvPicPr>
+        <p:blipFill rotWithShape="1">
+          <a:blip r:embed="rId2"/>
+          <a:srcRect l="13566" t="14029" r="15639" b="30903"/>
+          <a:stretch/>
+        </p:blipFill>
+        <p:spPr>
+          <a:xfrm>
+            <a:off x="2341728" y="1650236"/>
+            <a:ext cx="9271081" cy="4054483"/>
+          </a:xfrm>
+        </p:spPr>
+      </p:pic>
+    </p:spTree>
+    <p:extLst>
+      <p:ext uri="{BB962C8B-B14F-4D97-AF65-F5344CB8AC3E}">
+        <p14:creationId xmlns:p14="http://schemas.microsoft.com/office/powerpoint/2010/main" val="4002635679"/>
       </p:ext>
     </p:extLst>
   </p:cSld>
